--- a/Matthew MacDonald - 2.4 Practice Task Portfolio.pptx
+++ b/Matthew MacDonald - 2.4 Practice Task Portfolio.pptx
@@ -6484,6 +6484,14 @@
 <file path=ppt/slides/slide16.xml><?xml version="1.0" encoding="utf-8"?>
 <p:sld xmlns:a="http://schemas.openxmlformats.org/drawingml/2006/main" xmlns:r="http://schemas.openxmlformats.org/officeDocument/2006/relationships" xmlns:p="http://schemas.openxmlformats.org/presentationml/2006/main">
   <p:cSld>
+    <p:bg>
+      <p:bgPr>
+        <a:solidFill>
+          <a:schemeClr val="bg1"/>
+        </a:solidFill>
+        <a:effectLst/>
+      </p:bgPr>
+    </p:bg>
     <p:spTree>
       <p:nvGrpSpPr>
         <p:cNvPr id="1" name=""/>
@@ -6500,6 +6508,233 @@
       </p:grpSpPr>
       <p:sp>
         <p:nvSpPr>
+          <p:cNvPr id="9" name="Rectangle 8">
+            <a:extLst>
+              <a:ext uri="{FF2B5EF4-FFF2-40B4-BE49-F238E27FC236}">
+                <a16:creationId xmlns:a16="http://schemas.microsoft.com/office/drawing/2014/main" id="{AF37826C-4A8B-4AA5-BE8C-A755B1970A22}"/>
+              </a:ext>
+              <a:ext uri="{C183D7F6-B498-43B3-948B-1728B52AA6E4}">
+                <adec:decorative xmlns:adec="http://schemas.microsoft.com/office/drawing/2017/decorative" val="1"/>
+              </a:ext>
+            </a:extLst>
+          </p:cNvPr>
+          <p:cNvSpPr>
+            <a:spLocks noGrp="1" noRot="1" noChangeAspect="1" noMove="1" noResize="1" noEditPoints="1" noAdjustHandles="1" noChangeArrowheads="1" noChangeShapeType="1" noTextEdit="1"/>
+          </p:cNvSpPr>
+          <p:nvPr>
+            <p:extLst>
+              <p:ext uri="{386F3935-93C4-4BCD-93E2-E3B085C9AB24}">
+                <p16:designElem xmlns:p16="http://schemas.microsoft.com/office/powerpoint/2015/main" val="1"/>
+              </p:ext>
+            </p:extLst>
+          </p:nvPr>
+        </p:nvSpPr>
+        <p:spPr>
+          <a:xfrm>
+            <a:off x="0" y="761999"/>
+            <a:ext cx="9141619" cy="5334001"/>
+          </a:xfrm>
+          <a:prstGeom prst="rect">
+            <a:avLst/>
+          </a:prstGeom>
+          <a:solidFill>
+            <a:schemeClr val="accent1"/>
+          </a:solidFill>
+          <a:ln>
+            <a:noFill/>
+          </a:ln>
+        </p:spPr>
+        <p:style>
+          <a:lnRef idx="2">
+            <a:schemeClr val="accent1">
+              <a:shade val="50000"/>
+            </a:schemeClr>
+          </a:lnRef>
+          <a:fillRef idx="1">
+            <a:schemeClr val="accent1"/>
+          </a:fillRef>
+          <a:effectRef idx="0">
+            <a:schemeClr val="accent1"/>
+          </a:effectRef>
+          <a:fontRef idx="minor">
+            <a:schemeClr val="lt1"/>
+          </a:fontRef>
+        </p:style>
+      </p:sp>
+      <p:sp>
+        <p:nvSpPr>
+          <p:cNvPr id="11" name="Rectangle 10">
+            <a:extLst>
+              <a:ext uri="{FF2B5EF4-FFF2-40B4-BE49-F238E27FC236}">
+                <a16:creationId xmlns:a16="http://schemas.microsoft.com/office/drawing/2014/main" id="{BFB47C81-5765-4486-9BD1-E0EB32F4A0A8}"/>
+              </a:ext>
+              <a:ext uri="{C183D7F6-B498-43B3-948B-1728B52AA6E4}">
+                <adec:decorative xmlns:adec="http://schemas.microsoft.com/office/drawing/2017/decorative" val="1"/>
+              </a:ext>
+            </a:extLst>
+          </p:cNvPr>
+          <p:cNvSpPr>
+            <a:spLocks noGrp="1" noRot="1" noChangeAspect="1" noMove="1" noResize="1" noEditPoints="1" noAdjustHandles="1" noChangeArrowheads="1" noChangeShapeType="1" noTextEdit="1"/>
+          </p:cNvSpPr>
+          <p:nvPr>
+            <p:extLst>
+              <p:ext uri="{386F3935-93C4-4BCD-93E2-E3B085C9AB24}">
+                <p16:designElem xmlns:p16="http://schemas.microsoft.com/office/powerpoint/2015/main" val="1"/>
+              </p:ext>
+            </p:extLst>
+          </p:nvPr>
+        </p:nvSpPr>
+        <p:spPr>
+          <a:xfrm>
+            <a:off x="9270263" y="761999"/>
+            <a:ext cx="2925318" cy="5334001"/>
+          </a:xfrm>
+          <a:prstGeom prst="rect">
+            <a:avLst/>
+          </a:prstGeom>
+          <a:solidFill>
+            <a:srgbClr val="C8C8C8">
+              <a:alpha val="50000"/>
+            </a:srgbClr>
+          </a:solidFill>
+          <a:ln>
+            <a:noFill/>
+          </a:ln>
+        </p:spPr>
+        <p:style>
+          <a:lnRef idx="2">
+            <a:schemeClr val="accent1">
+              <a:shade val="50000"/>
+            </a:schemeClr>
+          </a:lnRef>
+          <a:fillRef idx="1">
+            <a:schemeClr val="accent1"/>
+          </a:fillRef>
+          <a:effectRef idx="0">
+            <a:schemeClr val="accent1"/>
+          </a:effectRef>
+          <a:fontRef idx="minor">
+            <a:schemeClr val="lt1"/>
+          </a:fontRef>
+        </p:style>
+      </p:sp>
+      <p:sp useBgFill="1">
+        <p:nvSpPr>
+          <p:cNvPr id="13" name="Rectangle 12">
+            <a:extLst>
+              <a:ext uri="{FF2B5EF4-FFF2-40B4-BE49-F238E27FC236}">
+                <a16:creationId xmlns:a16="http://schemas.microsoft.com/office/drawing/2014/main" id="{3AFD7E30-4FA2-4EF8-BB3C-096AAC3EE2DD}"/>
+              </a:ext>
+              <a:ext uri="{C183D7F6-B498-43B3-948B-1728B52AA6E4}">
+                <adec:decorative xmlns:adec="http://schemas.microsoft.com/office/drawing/2017/decorative" val="1"/>
+              </a:ext>
+            </a:extLst>
+          </p:cNvPr>
+          <p:cNvSpPr>
+            <a:spLocks noGrp="1" noRot="1" noChangeAspect="1" noMove="1" noResize="1" noEditPoints="1" noAdjustHandles="1" noChangeArrowheads="1" noChangeShapeType="1" noTextEdit="1"/>
+          </p:cNvSpPr>
+          <p:nvPr>
+            <p:extLst>
+              <p:ext uri="{386F3935-93C4-4BCD-93E2-E3B085C9AB24}">
+                <p16:designElem xmlns:p16="http://schemas.microsoft.com/office/powerpoint/2015/main" val="1"/>
+              </p:ext>
+            </p:extLst>
+          </p:nvPr>
+        </p:nvSpPr>
+        <p:spPr>
+          <a:xfrm>
+            <a:off x="0" y="0"/>
+            <a:ext cx="12191999" cy="6858000"/>
+          </a:xfrm>
+          <a:prstGeom prst="rect">
+            <a:avLst/>
+          </a:prstGeom>
+          <a:ln>
+            <a:noFill/>
+          </a:ln>
+        </p:spPr>
+        <p:style>
+          <a:lnRef idx="2">
+            <a:schemeClr val="accent1">
+              <a:shade val="50000"/>
+            </a:schemeClr>
+          </a:lnRef>
+          <a:fillRef idx="1">
+            <a:schemeClr val="accent1"/>
+          </a:fillRef>
+          <a:effectRef idx="0">
+            <a:schemeClr val="accent1"/>
+          </a:effectRef>
+          <a:fontRef idx="minor">
+            <a:schemeClr val="lt1"/>
+          </a:fontRef>
+        </p:style>
+        <p:txBody>
+          <a:bodyPr rtlCol="0" anchor="ctr"/>
+          <a:lstStyle/>
+          <a:p>
+            <a:pPr algn="ctr"/>
+            <a:endParaRPr lang="en-US" dirty="0"/>
+          </a:p>
+        </p:txBody>
+      </p:sp>
+      <p:sp>
+        <p:nvSpPr>
+          <p:cNvPr id="15" name="Rectangle 14">
+            <a:extLst>
+              <a:ext uri="{FF2B5EF4-FFF2-40B4-BE49-F238E27FC236}">
+                <a16:creationId xmlns:a16="http://schemas.microsoft.com/office/drawing/2014/main" id="{C4BC7293-0492-4B68-88EF-6362B3E9BBF3}"/>
+              </a:ext>
+              <a:ext uri="{C183D7F6-B498-43B3-948B-1728B52AA6E4}">
+                <adec:decorative xmlns:adec="http://schemas.microsoft.com/office/drawing/2017/decorative" val="1"/>
+              </a:ext>
+            </a:extLst>
+          </p:cNvPr>
+          <p:cNvSpPr>
+            <a:spLocks noGrp="1" noRot="1" noChangeAspect="1" noMove="1" noResize="1" noEditPoints="1" noAdjustHandles="1" noChangeArrowheads="1" noChangeShapeType="1" noTextEdit="1"/>
+          </p:cNvSpPr>
+          <p:nvPr>
+            <p:extLst>
+              <p:ext uri="{386F3935-93C4-4BCD-93E2-E3B085C9AB24}">
+                <p16:designElem xmlns:p16="http://schemas.microsoft.com/office/powerpoint/2015/main" val="1"/>
+              </p:ext>
+            </p:extLst>
+          </p:nvPr>
+        </p:nvSpPr>
+        <p:spPr>
+          <a:xfrm>
+            <a:off x="1" y="761999"/>
+            <a:ext cx="4642228" cy="5334001"/>
+          </a:xfrm>
+          <a:prstGeom prst="rect">
+            <a:avLst/>
+          </a:prstGeom>
+          <a:solidFill>
+            <a:schemeClr val="accent1"/>
+          </a:solidFill>
+          <a:ln>
+            <a:noFill/>
+          </a:ln>
+        </p:spPr>
+        <p:style>
+          <a:lnRef idx="2">
+            <a:schemeClr val="accent1">
+              <a:shade val="50000"/>
+            </a:schemeClr>
+          </a:lnRef>
+          <a:fillRef idx="1">
+            <a:schemeClr val="accent1"/>
+          </a:fillRef>
+          <a:effectRef idx="0">
+            <a:schemeClr val="accent1"/>
+          </a:effectRef>
+          <a:fontRef idx="minor">
+            <a:schemeClr val="lt1"/>
+          </a:fontRef>
+        </p:style>
+      </p:sp>
+      <p:sp>
+        <p:nvSpPr>
           <p:cNvPr id="2" name="Title 1">
             <a:extLst>
               <a:ext uri="{FF2B5EF4-FFF2-40B4-BE49-F238E27FC236}">
@@ -6514,42 +6749,111 @@
             <p:ph type="title"/>
           </p:nvPr>
         </p:nvSpPr>
-        <p:spPr/>
-        <p:txBody>
-          <a:bodyPr/>
-          <a:lstStyle/>
-          <a:p>
-            <a:r>
-              <a:rPr lang="en-NZ" dirty="0"/>
+        <p:spPr>
+          <a:xfrm>
+            <a:off x="1069849" y="1298448"/>
+            <a:ext cx="3258688" cy="3255264"/>
+          </a:xfrm>
+        </p:spPr>
+        <p:txBody>
+          <a:bodyPr vert="horz" lIns="91440" tIns="45720" rIns="91440" bIns="45720" rtlCol="0" anchor="b">
+            <a:normAutofit/>
+          </a:bodyPr>
+          <a:lstStyle/>
+          <a:p>
+            <a:r>
+              <a:rPr lang="en-US" sz="5400" spc="-100"/>
               <a:t>Site setup</a:t>
             </a:r>
           </a:p>
         </p:txBody>
       </p:sp>
-      <p:sp>
-        <p:nvSpPr>
-          <p:cNvPr id="3" name="Content Placeholder 2">
+      <p:pic>
+        <p:nvPicPr>
+          <p:cNvPr id="4" name="Picture 3" descr="A screenshot of a cell phone&#10;&#10;Description automatically generated">
             <a:extLst>
               <a:ext uri="{FF2B5EF4-FFF2-40B4-BE49-F238E27FC236}">
-                <a16:creationId xmlns:a16="http://schemas.microsoft.com/office/drawing/2014/main" id="{F2B05E77-C482-4B59-A23C-2F853D1F3D6F}"/>
+                <a16:creationId xmlns:a16="http://schemas.microsoft.com/office/drawing/2014/main" id="{B594F4D7-C8DB-4CC3-9194-69699261BDE3}"/>
               </a:ext>
             </a:extLst>
           </p:cNvPr>
-          <p:cNvSpPr>
-            <a:spLocks noGrp="1"/>
-          </p:cNvSpPr>
-          <p:nvPr>
-            <p:ph idx="1"/>
-          </p:nvPr>
-        </p:nvSpPr>
-        <p:spPr/>
-        <p:txBody>
-          <a:bodyPr/>
-          <a:lstStyle/>
-          <a:p>
-            <a:endParaRPr lang="en-NZ"/>
-          </a:p>
-        </p:txBody>
+          <p:cNvPicPr>
+            <a:picLocks noChangeAspect="1"/>
+          </p:cNvPicPr>
+          <p:nvPr/>
+        </p:nvPicPr>
+        <p:blipFill>
+          <a:blip r:embed="rId3"/>
+          <a:stretch>
+            <a:fillRect/>
+          </a:stretch>
+        </p:blipFill>
+        <p:spPr>
+          <a:xfrm>
+            <a:off x="8433213" y="3537443"/>
+            <a:ext cx="2925318" cy="2552806"/>
+          </a:xfrm>
+          <a:prstGeom prst="rect">
+            <a:avLst/>
+          </a:prstGeom>
+        </p:spPr>
+      </p:pic>
+      <p:sp>
+        <p:nvSpPr>
+          <p:cNvPr id="17" name="Rectangle 16">
+            <a:extLst>
+              <a:ext uri="{FF2B5EF4-FFF2-40B4-BE49-F238E27FC236}">
+                <a16:creationId xmlns:a16="http://schemas.microsoft.com/office/drawing/2014/main" id="{7F22716B-0B4A-4DF5-8C68-165745EDFA15}"/>
+              </a:ext>
+              <a:ext uri="{C183D7F6-B498-43B3-948B-1728B52AA6E4}">
+                <adec:decorative xmlns:adec="http://schemas.microsoft.com/office/drawing/2017/decorative" val="1"/>
+              </a:ext>
+            </a:extLst>
+          </p:cNvPr>
+          <p:cNvSpPr>
+            <a:spLocks noGrp="1" noRot="1" noChangeAspect="1" noMove="1" noResize="1" noEditPoints="1" noAdjustHandles="1" noChangeArrowheads="1" noChangeShapeType="1" noTextEdit="1"/>
+          </p:cNvSpPr>
+          <p:nvPr>
+            <p:extLst>
+              <p:ext uri="{386F3935-93C4-4BCD-93E2-E3B085C9AB24}">
+                <p16:designElem xmlns:p16="http://schemas.microsoft.com/office/powerpoint/2015/main" val="1"/>
+              </p:ext>
+            </p:extLst>
+          </p:nvPr>
+        </p:nvSpPr>
+        <p:spPr>
+          <a:xfrm>
+            <a:off x="11815864" y="758952"/>
+            <a:ext cx="384048" cy="5330952"/>
+          </a:xfrm>
+          <a:prstGeom prst="rect">
+            <a:avLst/>
+          </a:prstGeom>
+          <a:solidFill>
+            <a:srgbClr val="C8C8C8">
+              <a:alpha val="49804"/>
+            </a:srgbClr>
+          </a:solidFill>
+          <a:ln>
+            <a:noFill/>
+          </a:ln>
+        </p:spPr>
+        <p:style>
+          <a:lnRef idx="2">
+            <a:schemeClr val="accent1">
+              <a:shade val="50000"/>
+            </a:schemeClr>
+          </a:lnRef>
+          <a:fillRef idx="1">
+            <a:schemeClr val="accent1"/>
+          </a:fillRef>
+          <a:effectRef idx="0">
+            <a:schemeClr val="accent1"/>
+          </a:effectRef>
+          <a:fontRef idx="minor">
+            <a:schemeClr val="lt1"/>
+          </a:fontRef>
+        </p:style>
       </p:sp>
     </p:spTree>
     <p:extLst>

--- a/Matthew MacDonald - 2.4 Practice Task Portfolio.pptx
+++ b/Matthew MacDonald - 2.4 Practice Task Portfolio.pptx
@@ -6042,6 +6042,14 @@
 <file path=ppt/slides/slide13.xml><?xml version="1.0" encoding="utf-8"?>
 <p:sld xmlns:a="http://schemas.openxmlformats.org/drawingml/2006/main" xmlns:r="http://schemas.openxmlformats.org/officeDocument/2006/relationships" xmlns:p="http://schemas.openxmlformats.org/presentationml/2006/main">
   <p:cSld>
+    <p:bg>
+      <p:bgPr>
+        <a:solidFill>
+          <a:schemeClr val="bg1"/>
+        </a:solidFill>
+        <a:effectLst/>
+      </p:bgPr>
+    </p:bg>
     <p:spTree>
       <p:nvGrpSpPr>
         <p:cNvPr id="1" name=""/>
@@ -6058,6 +6066,233 @@
       </p:grpSpPr>
       <p:sp>
         <p:nvSpPr>
+          <p:cNvPr id="12" name="Rectangle 11">
+            <a:extLst>
+              <a:ext uri="{FF2B5EF4-FFF2-40B4-BE49-F238E27FC236}">
+                <a16:creationId xmlns:a16="http://schemas.microsoft.com/office/drawing/2014/main" id="{68DE3555-2858-4E7A-8CEB-160A1D63336F}"/>
+              </a:ext>
+              <a:ext uri="{C183D7F6-B498-43B3-948B-1728B52AA6E4}">
+                <adec:decorative xmlns:adec="http://schemas.microsoft.com/office/drawing/2017/decorative" val="1"/>
+              </a:ext>
+            </a:extLst>
+          </p:cNvPr>
+          <p:cNvSpPr>
+            <a:spLocks noGrp="1" noRot="1" noChangeAspect="1" noMove="1" noResize="1" noEditPoints="1" noAdjustHandles="1" noChangeArrowheads="1" noChangeShapeType="1" noTextEdit="1"/>
+          </p:cNvSpPr>
+          <p:nvPr>
+            <p:extLst>
+              <p:ext uri="{386F3935-93C4-4BCD-93E2-E3B085C9AB24}">
+                <p16:designElem xmlns:p16="http://schemas.microsoft.com/office/powerpoint/2015/main" val="1"/>
+              </p:ext>
+            </p:extLst>
+          </p:nvPr>
+        </p:nvSpPr>
+        <p:spPr>
+          <a:xfrm>
+            <a:off x="0" y="761999"/>
+            <a:ext cx="9141619" cy="5334001"/>
+          </a:xfrm>
+          <a:prstGeom prst="rect">
+            <a:avLst/>
+          </a:prstGeom>
+          <a:solidFill>
+            <a:schemeClr val="accent1"/>
+          </a:solidFill>
+          <a:ln>
+            <a:noFill/>
+          </a:ln>
+        </p:spPr>
+        <p:style>
+          <a:lnRef idx="2">
+            <a:schemeClr val="accent1">
+              <a:shade val="50000"/>
+            </a:schemeClr>
+          </a:lnRef>
+          <a:fillRef idx="1">
+            <a:schemeClr val="accent1"/>
+          </a:fillRef>
+          <a:effectRef idx="0">
+            <a:schemeClr val="accent1"/>
+          </a:effectRef>
+          <a:fontRef idx="minor">
+            <a:schemeClr val="lt1"/>
+          </a:fontRef>
+        </p:style>
+      </p:sp>
+      <p:sp>
+        <p:nvSpPr>
+          <p:cNvPr id="14" name="Rectangle 13">
+            <a:extLst>
+              <a:ext uri="{FF2B5EF4-FFF2-40B4-BE49-F238E27FC236}">
+                <a16:creationId xmlns:a16="http://schemas.microsoft.com/office/drawing/2014/main" id="{80254437-48FC-43CB-8500-B1331C826DF2}"/>
+              </a:ext>
+              <a:ext uri="{C183D7F6-B498-43B3-948B-1728B52AA6E4}">
+                <adec:decorative xmlns:adec="http://schemas.microsoft.com/office/drawing/2017/decorative" val="1"/>
+              </a:ext>
+            </a:extLst>
+          </p:cNvPr>
+          <p:cNvSpPr>
+            <a:spLocks noGrp="1" noRot="1" noChangeAspect="1" noMove="1" noResize="1" noEditPoints="1" noAdjustHandles="1" noChangeArrowheads="1" noChangeShapeType="1" noTextEdit="1"/>
+          </p:cNvSpPr>
+          <p:nvPr>
+            <p:extLst>
+              <p:ext uri="{386F3935-93C4-4BCD-93E2-E3B085C9AB24}">
+                <p16:designElem xmlns:p16="http://schemas.microsoft.com/office/powerpoint/2015/main" val="1"/>
+              </p:ext>
+            </p:extLst>
+          </p:nvPr>
+        </p:nvSpPr>
+        <p:spPr>
+          <a:xfrm>
+            <a:off x="9270263" y="761999"/>
+            <a:ext cx="2925318" cy="5334001"/>
+          </a:xfrm>
+          <a:prstGeom prst="rect">
+            <a:avLst/>
+          </a:prstGeom>
+          <a:solidFill>
+            <a:srgbClr val="C8C8C8">
+              <a:alpha val="50000"/>
+            </a:srgbClr>
+          </a:solidFill>
+          <a:ln>
+            <a:noFill/>
+          </a:ln>
+        </p:spPr>
+        <p:style>
+          <a:lnRef idx="2">
+            <a:schemeClr val="accent1">
+              <a:shade val="50000"/>
+            </a:schemeClr>
+          </a:lnRef>
+          <a:fillRef idx="1">
+            <a:schemeClr val="accent1"/>
+          </a:fillRef>
+          <a:effectRef idx="0">
+            <a:schemeClr val="accent1"/>
+          </a:effectRef>
+          <a:fontRef idx="minor">
+            <a:schemeClr val="lt1"/>
+          </a:fontRef>
+        </p:style>
+      </p:sp>
+      <p:sp useBgFill="1">
+        <p:nvSpPr>
+          <p:cNvPr id="16" name="Rectangle 15">
+            <a:extLst>
+              <a:ext uri="{FF2B5EF4-FFF2-40B4-BE49-F238E27FC236}">
+                <a16:creationId xmlns:a16="http://schemas.microsoft.com/office/drawing/2014/main" id="{AA7850C8-8932-45FB-824D-8AB7D84691E5}"/>
+              </a:ext>
+              <a:ext uri="{C183D7F6-B498-43B3-948B-1728B52AA6E4}">
+                <adec:decorative xmlns:adec="http://schemas.microsoft.com/office/drawing/2017/decorative" val="1"/>
+              </a:ext>
+            </a:extLst>
+          </p:cNvPr>
+          <p:cNvSpPr>
+            <a:spLocks noGrp="1" noRot="1" noChangeAspect="1" noMove="1" noResize="1" noEditPoints="1" noAdjustHandles="1" noChangeArrowheads="1" noChangeShapeType="1" noTextEdit="1"/>
+          </p:cNvSpPr>
+          <p:nvPr>
+            <p:extLst>
+              <p:ext uri="{386F3935-93C4-4BCD-93E2-E3B085C9AB24}">
+                <p16:designElem xmlns:p16="http://schemas.microsoft.com/office/powerpoint/2015/main" val="1"/>
+              </p:ext>
+            </p:extLst>
+          </p:nvPr>
+        </p:nvSpPr>
+        <p:spPr>
+          <a:xfrm>
+            <a:off x="0" y="0"/>
+            <a:ext cx="12191999" cy="6858000"/>
+          </a:xfrm>
+          <a:prstGeom prst="rect">
+            <a:avLst/>
+          </a:prstGeom>
+          <a:ln>
+            <a:noFill/>
+          </a:ln>
+        </p:spPr>
+        <p:style>
+          <a:lnRef idx="2">
+            <a:schemeClr val="accent1">
+              <a:shade val="50000"/>
+            </a:schemeClr>
+          </a:lnRef>
+          <a:fillRef idx="1">
+            <a:schemeClr val="accent1"/>
+          </a:fillRef>
+          <a:effectRef idx="0">
+            <a:schemeClr val="accent1"/>
+          </a:effectRef>
+          <a:fontRef idx="minor">
+            <a:schemeClr val="lt1"/>
+          </a:fontRef>
+        </p:style>
+        <p:txBody>
+          <a:bodyPr rtlCol="0" anchor="ctr"/>
+          <a:lstStyle/>
+          <a:p>
+            <a:pPr algn="ctr"/>
+            <a:endParaRPr lang="en-US"/>
+          </a:p>
+        </p:txBody>
+      </p:sp>
+      <p:sp>
+        <p:nvSpPr>
+          <p:cNvPr id="18" name="Rectangle 17">
+            <a:extLst>
+              <a:ext uri="{FF2B5EF4-FFF2-40B4-BE49-F238E27FC236}">
+                <a16:creationId xmlns:a16="http://schemas.microsoft.com/office/drawing/2014/main" id="{528BB4B4-FCCA-4BB8-A5B5-7EDD9652DB29}"/>
+              </a:ext>
+              <a:ext uri="{C183D7F6-B498-43B3-948B-1728B52AA6E4}">
+                <adec:decorative xmlns:adec="http://schemas.microsoft.com/office/drawing/2017/decorative" val="1"/>
+              </a:ext>
+            </a:extLst>
+          </p:cNvPr>
+          <p:cNvSpPr>
+            <a:spLocks noGrp="1" noRot="1" noChangeAspect="1" noMove="1" noResize="1" noEditPoints="1" noAdjustHandles="1" noChangeArrowheads="1" noChangeShapeType="1" noTextEdit="1"/>
+          </p:cNvSpPr>
+          <p:nvPr>
+            <p:extLst>
+              <p:ext uri="{386F3935-93C4-4BCD-93E2-E3B085C9AB24}">
+                <p16:designElem xmlns:p16="http://schemas.microsoft.com/office/powerpoint/2015/main" val="1"/>
+              </p:ext>
+            </p:extLst>
+          </p:nvPr>
+        </p:nvSpPr>
+        <p:spPr>
+          <a:xfrm>
+            <a:off x="1" y="761999"/>
+            <a:ext cx="4642228" cy="5334001"/>
+          </a:xfrm>
+          <a:prstGeom prst="rect">
+            <a:avLst/>
+          </a:prstGeom>
+          <a:solidFill>
+            <a:srgbClr val="36564C"/>
+          </a:solidFill>
+          <a:ln>
+            <a:noFill/>
+          </a:ln>
+        </p:spPr>
+        <p:style>
+          <a:lnRef idx="2">
+            <a:schemeClr val="accent1">
+              <a:shade val="50000"/>
+            </a:schemeClr>
+          </a:lnRef>
+          <a:fillRef idx="1">
+            <a:schemeClr val="accent1"/>
+          </a:fillRef>
+          <a:effectRef idx="0">
+            <a:schemeClr val="accent1"/>
+          </a:effectRef>
+          <a:fontRef idx="minor">
+            <a:schemeClr val="lt1"/>
+          </a:fontRef>
+        </p:style>
+      </p:sp>
+      <p:sp>
+        <p:nvSpPr>
           <p:cNvPr id="2" name="Title 1">
             <a:extLst>
               <a:ext uri="{FF2B5EF4-FFF2-40B4-BE49-F238E27FC236}">
@@ -6072,13 +6307,20 @@
             <p:ph type="title"/>
           </p:nvPr>
         </p:nvSpPr>
-        <p:spPr/>
-        <p:txBody>
-          <a:bodyPr/>
-          <a:lstStyle/>
-          <a:p>
-            <a:r>
-              <a:rPr lang="en-NZ" b="1" dirty="0"/>
+        <p:spPr>
+          <a:xfrm>
+            <a:off x="480607" y="1298448"/>
+            <a:ext cx="3847930" cy="3255264"/>
+          </a:xfrm>
+        </p:spPr>
+        <p:txBody>
+          <a:bodyPr vert="horz" lIns="91440" tIns="45720" rIns="91440" bIns="45720" rtlCol="0" anchor="b">
+            <a:normAutofit/>
+          </a:bodyPr>
+          <a:lstStyle/>
+          <a:p>
+            <a:r>
+              <a:rPr lang="en-US" sz="5900" b="1" spc="-100"/>
               <a:t>Colour palette</a:t>
             </a:r>
           </a:p>
@@ -6086,28 +6328,444 @@
       </p:sp>
       <p:sp>
         <p:nvSpPr>
-          <p:cNvPr id="3" name="Content Placeholder 2">
+          <p:cNvPr id="27" name="Rectangle 19">
             <a:extLst>
               <a:ext uri="{FF2B5EF4-FFF2-40B4-BE49-F238E27FC236}">
-                <a16:creationId xmlns:a16="http://schemas.microsoft.com/office/drawing/2014/main" id="{5C51AFAB-A3DB-4D86-ABCC-6151445A1A1F}"/>
+                <a16:creationId xmlns:a16="http://schemas.microsoft.com/office/drawing/2014/main" id="{9EAD000C-FECC-4415-AB14-16AC3974C64E}"/>
+              </a:ext>
+              <a:ext uri="{C183D7F6-B498-43B3-948B-1728B52AA6E4}">
+                <adec:decorative xmlns:adec="http://schemas.microsoft.com/office/drawing/2017/decorative" val="1"/>
               </a:ext>
             </a:extLst>
           </p:cNvPr>
           <p:cNvSpPr>
-            <a:spLocks noGrp="1"/>
-          </p:cNvSpPr>
-          <p:nvPr>
-            <p:ph idx="1"/>
-          </p:nvPr>
-        </p:nvSpPr>
-        <p:spPr/>
-        <p:txBody>
-          <a:bodyPr/>
-          <a:lstStyle/>
-          <a:p>
-            <a:endParaRPr lang="en-NZ"/>
-          </a:p>
-        </p:txBody>
+            <a:spLocks noGrp="1" noRot="1" noChangeAspect="1" noMove="1" noResize="1" noEditPoints="1" noAdjustHandles="1" noChangeArrowheads="1" noChangeShapeType="1" noTextEdit="1"/>
+          </p:cNvSpPr>
+          <p:nvPr>
+            <p:extLst>
+              <p:ext uri="{386F3935-93C4-4BCD-93E2-E3B085C9AB24}">
+                <p16:designElem xmlns:p16="http://schemas.microsoft.com/office/powerpoint/2015/main" val="1"/>
+              </p:ext>
+            </p:extLst>
+          </p:nvPr>
+        </p:nvSpPr>
+        <p:spPr>
+          <a:xfrm>
+            <a:off x="5112727" y="758952"/>
+            <a:ext cx="3379859" cy="3191490"/>
+          </a:xfrm>
+          <a:prstGeom prst="rect">
+            <a:avLst/>
+          </a:prstGeom>
+          <a:solidFill>
+            <a:srgbClr val="FFFFFF"/>
+          </a:solidFill>
+          <a:ln w="66675" cmpd="sng">
+            <a:solidFill>
+              <a:srgbClr val="36564C"/>
+            </a:solidFill>
+            <a:miter lim="800000"/>
+          </a:ln>
+        </p:spPr>
+        <p:style>
+          <a:lnRef idx="2">
+            <a:schemeClr val="accent1">
+              <a:shade val="50000"/>
+            </a:schemeClr>
+          </a:lnRef>
+          <a:fillRef idx="1">
+            <a:schemeClr val="accent1"/>
+          </a:fillRef>
+          <a:effectRef idx="0">
+            <a:schemeClr val="accent1"/>
+          </a:effectRef>
+          <a:fontRef idx="minor">
+            <a:schemeClr val="lt1"/>
+          </a:fontRef>
+        </p:style>
+        <p:txBody>
+          <a:bodyPr rtlCol="0" anchor="ctr"/>
+          <a:lstStyle/>
+          <a:p>
+            <a:pPr algn="ctr"/>
+            <a:endParaRPr lang="en-US"/>
+          </a:p>
+        </p:txBody>
+      </p:sp>
+      <p:pic>
+        <p:nvPicPr>
+          <p:cNvPr id="6" name="Picture 5" descr="A picture containing man, riding&#10;&#10;Description automatically generated">
+            <a:extLst>
+              <a:ext uri="{FF2B5EF4-FFF2-40B4-BE49-F238E27FC236}">
+                <a16:creationId xmlns:a16="http://schemas.microsoft.com/office/drawing/2014/main" id="{BD0C19FA-EEFB-4E27-A321-D15A603EA907}"/>
+              </a:ext>
+            </a:extLst>
+          </p:cNvPr>
+          <p:cNvPicPr>
+            <a:picLocks noChangeAspect="1"/>
+          </p:cNvPicPr>
+          <p:nvPr/>
+        </p:nvPicPr>
+        <p:blipFill>
+          <a:blip r:embed="rId3"/>
+          <a:stretch>
+            <a:fillRect/>
+          </a:stretch>
+        </p:blipFill>
+        <p:spPr>
+          <a:xfrm>
+            <a:off x="5304189" y="923661"/>
+            <a:ext cx="2996934" cy="2862072"/>
+          </a:xfrm>
+          <a:prstGeom prst="rect">
+            <a:avLst/>
+          </a:prstGeom>
+        </p:spPr>
+      </p:pic>
+      <p:sp>
+        <p:nvSpPr>
+          <p:cNvPr id="29" name="Rectangle 21">
+            <a:extLst>
+              <a:ext uri="{FF2B5EF4-FFF2-40B4-BE49-F238E27FC236}">
+                <a16:creationId xmlns:a16="http://schemas.microsoft.com/office/drawing/2014/main" id="{97D1A26C-DCFB-460B-BE7B-FC2CA435D855}"/>
+              </a:ext>
+              <a:ext uri="{C183D7F6-B498-43B3-948B-1728B52AA6E4}">
+                <adec:decorative xmlns:adec="http://schemas.microsoft.com/office/drawing/2017/decorative" val="1"/>
+              </a:ext>
+            </a:extLst>
+          </p:cNvPr>
+          <p:cNvSpPr>
+            <a:spLocks noGrp="1" noRot="1" noChangeAspect="1" noMove="1" noResize="1" noEditPoints="1" noAdjustHandles="1" noChangeArrowheads="1" noChangeShapeType="1" noTextEdit="1"/>
+          </p:cNvSpPr>
+          <p:nvPr>
+            <p:extLst>
+              <p:ext uri="{386F3935-93C4-4BCD-93E2-E3B085C9AB24}">
+                <p16:designElem xmlns:p16="http://schemas.microsoft.com/office/powerpoint/2015/main" val="1"/>
+              </p:ext>
+            </p:extLst>
+          </p:nvPr>
+        </p:nvSpPr>
+        <p:spPr>
+          <a:xfrm>
+            <a:off x="8638608" y="772812"/>
+            <a:ext cx="2849303" cy="1784350"/>
+          </a:xfrm>
+          <a:prstGeom prst="rect">
+            <a:avLst/>
+          </a:prstGeom>
+          <a:solidFill>
+            <a:srgbClr val="FFFFFF"/>
+          </a:solidFill>
+          <a:ln w="66675" cmpd="sng">
+            <a:solidFill>
+              <a:srgbClr val="36564C"/>
+            </a:solidFill>
+            <a:miter lim="800000"/>
+          </a:ln>
+        </p:spPr>
+        <p:style>
+          <a:lnRef idx="2">
+            <a:schemeClr val="accent1">
+              <a:shade val="50000"/>
+            </a:schemeClr>
+          </a:lnRef>
+          <a:fillRef idx="1">
+            <a:schemeClr val="accent1"/>
+          </a:fillRef>
+          <a:effectRef idx="0">
+            <a:schemeClr val="accent1"/>
+          </a:effectRef>
+          <a:fontRef idx="minor">
+            <a:schemeClr val="lt1"/>
+          </a:fontRef>
+        </p:style>
+        <p:txBody>
+          <a:bodyPr rtlCol="0" anchor="ctr"/>
+          <a:lstStyle/>
+          <a:p>
+            <a:pPr algn="ctr"/>
+            <a:endParaRPr lang="en-US"/>
+          </a:p>
+        </p:txBody>
+      </p:sp>
+      <p:pic>
+        <p:nvPicPr>
+          <p:cNvPr id="5" name="Picture 4">
+            <a:extLst>
+              <a:ext uri="{FF2B5EF4-FFF2-40B4-BE49-F238E27FC236}">
+                <a16:creationId xmlns:a16="http://schemas.microsoft.com/office/drawing/2014/main" id="{49775445-764D-43CB-895D-FA1DD679ADCB}"/>
+              </a:ext>
+            </a:extLst>
+          </p:cNvPr>
+          <p:cNvPicPr>
+            <a:picLocks noChangeAspect="1"/>
+          </p:cNvPicPr>
+          <p:nvPr/>
+        </p:nvPicPr>
+        <p:blipFill>
+          <a:blip r:embed="rId4"/>
+          <a:stretch>
+            <a:fillRect/>
+          </a:stretch>
+        </p:blipFill>
+        <p:spPr>
+          <a:xfrm>
+            <a:off x="9307318" y="923661"/>
+            <a:ext cx="1550187" cy="1449425"/>
+          </a:xfrm>
+          <a:prstGeom prst="rect">
+            <a:avLst/>
+          </a:prstGeom>
+        </p:spPr>
+      </p:pic>
+      <p:sp>
+        <p:nvSpPr>
+          <p:cNvPr id="30" name="Rectangle 23">
+            <a:extLst>
+              <a:ext uri="{FF2B5EF4-FFF2-40B4-BE49-F238E27FC236}">
+                <a16:creationId xmlns:a16="http://schemas.microsoft.com/office/drawing/2014/main" id="{58DEA40E-A1A6-474E-BE3B-A06C929EB7A8}"/>
+              </a:ext>
+              <a:ext uri="{C183D7F6-B498-43B3-948B-1728B52AA6E4}">
+                <adec:decorative xmlns:adec="http://schemas.microsoft.com/office/drawing/2017/decorative" val="1"/>
+              </a:ext>
+            </a:extLst>
+          </p:cNvPr>
+          <p:cNvSpPr>
+            <a:spLocks noGrp="1" noRot="1" noChangeAspect="1" noMove="1" noResize="1" noEditPoints="1" noAdjustHandles="1" noChangeArrowheads="1" noChangeShapeType="1" noTextEdit="1"/>
+          </p:cNvSpPr>
+          <p:nvPr>
+            <p:extLst>
+              <p:ext uri="{386F3935-93C4-4BCD-93E2-E3B085C9AB24}">
+                <p16:designElem xmlns:p16="http://schemas.microsoft.com/office/powerpoint/2015/main" val="1"/>
+              </p:ext>
+            </p:extLst>
+          </p:nvPr>
+        </p:nvSpPr>
+        <p:spPr>
+          <a:xfrm>
+            <a:off x="5112727" y="4099533"/>
+            <a:ext cx="3379859" cy="1983897"/>
+          </a:xfrm>
+          <a:prstGeom prst="rect">
+            <a:avLst/>
+          </a:prstGeom>
+          <a:solidFill>
+            <a:srgbClr val="FFFFFF"/>
+          </a:solidFill>
+          <a:ln w="66675" cmpd="sng">
+            <a:solidFill>
+              <a:srgbClr val="36564C"/>
+            </a:solidFill>
+            <a:miter lim="800000"/>
+          </a:ln>
+        </p:spPr>
+        <p:style>
+          <a:lnRef idx="2">
+            <a:schemeClr val="accent1">
+              <a:shade val="50000"/>
+            </a:schemeClr>
+          </a:lnRef>
+          <a:fillRef idx="1">
+            <a:schemeClr val="accent1"/>
+          </a:fillRef>
+          <a:effectRef idx="0">
+            <a:schemeClr val="accent1"/>
+          </a:effectRef>
+          <a:fontRef idx="minor">
+            <a:schemeClr val="lt1"/>
+          </a:fontRef>
+        </p:style>
+        <p:txBody>
+          <a:bodyPr rtlCol="0" anchor="ctr"/>
+          <a:lstStyle/>
+          <a:p>
+            <a:pPr algn="ctr"/>
+            <a:endParaRPr lang="en-US"/>
+          </a:p>
+        </p:txBody>
+      </p:sp>
+      <p:pic>
+        <p:nvPicPr>
+          <p:cNvPr id="7" name="Picture 6" descr="A picture containing riding, man&#10;&#10;Description automatically generated">
+            <a:extLst>
+              <a:ext uri="{FF2B5EF4-FFF2-40B4-BE49-F238E27FC236}">
+                <a16:creationId xmlns:a16="http://schemas.microsoft.com/office/drawing/2014/main" id="{D08EF731-75BC-4A00-A370-C4A6B629952F}"/>
+              </a:ext>
+            </a:extLst>
+          </p:cNvPr>
+          <p:cNvPicPr>
+            <a:picLocks noChangeAspect="1"/>
+          </p:cNvPicPr>
+          <p:nvPr/>
+        </p:nvPicPr>
+        <p:blipFill>
+          <a:blip r:embed="rId5"/>
+          <a:stretch>
+            <a:fillRect/>
+          </a:stretch>
+        </p:blipFill>
+        <p:spPr>
+          <a:xfrm>
+            <a:off x="5912611" y="4299858"/>
+            <a:ext cx="1775302" cy="1624402"/>
+          </a:xfrm>
+          <a:prstGeom prst="rect">
+            <a:avLst/>
+          </a:prstGeom>
+        </p:spPr>
+      </p:pic>
+      <p:sp>
+        <p:nvSpPr>
+          <p:cNvPr id="26" name="Rectangle 25">
+            <a:extLst>
+              <a:ext uri="{FF2B5EF4-FFF2-40B4-BE49-F238E27FC236}">
+                <a16:creationId xmlns:a16="http://schemas.microsoft.com/office/drawing/2014/main" id="{7472A6C1-76CF-4215-B818-52CFF4D7AAC2}"/>
+              </a:ext>
+              <a:ext uri="{C183D7F6-B498-43B3-948B-1728B52AA6E4}">
+                <adec:decorative xmlns:adec="http://schemas.microsoft.com/office/drawing/2017/decorative" val="1"/>
+              </a:ext>
+            </a:extLst>
+          </p:cNvPr>
+          <p:cNvSpPr>
+            <a:spLocks noGrp="1" noRot="1" noChangeAspect="1" noMove="1" noResize="1" noEditPoints="1" noAdjustHandles="1" noChangeArrowheads="1" noChangeShapeType="1" noTextEdit="1"/>
+          </p:cNvSpPr>
+          <p:nvPr>
+            <p:extLst>
+              <p:ext uri="{386F3935-93C4-4BCD-93E2-E3B085C9AB24}">
+                <p16:designElem xmlns:p16="http://schemas.microsoft.com/office/powerpoint/2015/main" val="1"/>
+              </p:ext>
+            </p:extLst>
+          </p:nvPr>
+        </p:nvSpPr>
+        <p:spPr>
+          <a:xfrm>
+            <a:off x="8638608" y="2722807"/>
+            <a:ext cx="2849303" cy="3367097"/>
+          </a:xfrm>
+          <a:prstGeom prst="rect">
+            <a:avLst/>
+          </a:prstGeom>
+          <a:solidFill>
+            <a:srgbClr val="FFFFFF"/>
+          </a:solidFill>
+          <a:ln w="66675" cmpd="sng">
+            <a:solidFill>
+              <a:srgbClr val="36564C"/>
+            </a:solidFill>
+            <a:miter lim="800000"/>
+          </a:ln>
+        </p:spPr>
+        <p:style>
+          <a:lnRef idx="2">
+            <a:schemeClr val="accent1">
+              <a:shade val="50000"/>
+            </a:schemeClr>
+          </a:lnRef>
+          <a:fillRef idx="1">
+            <a:schemeClr val="accent1"/>
+          </a:fillRef>
+          <a:effectRef idx="0">
+            <a:schemeClr val="accent1"/>
+          </a:effectRef>
+          <a:fontRef idx="minor">
+            <a:schemeClr val="lt1"/>
+          </a:fontRef>
+        </p:style>
+        <p:txBody>
+          <a:bodyPr rtlCol="0" anchor="ctr"/>
+          <a:lstStyle/>
+          <a:p>
+            <a:pPr algn="ctr"/>
+            <a:endParaRPr lang="en-US"/>
+          </a:p>
+        </p:txBody>
+      </p:sp>
+      <p:pic>
+        <p:nvPicPr>
+          <p:cNvPr id="4" name="Picture 3" descr="A group of people riding on the back of a bicycle&#10;&#10;Description automatically generated">
+            <a:extLst>
+              <a:ext uri="{FF2B5EF4-FFF2-40B4-BE49-F238E27FC236}">
+                <a16:creationId xmlns:a16="http://schemas.microsoft.com/office/drawing/2014/main" id="{BAB500A7-00E8-4AB9-B709-2692622652CA}"/>
+              </a:ext>
+            </a:extLst>
+          </p:cNvPr>
+          <p:cNvPicPr>
+            <a:picLocks noChangeAspect="1"/>
+          </p:cNvPicPr>
+          <p:nvPr/>
+        </p:nvPicPr>
+        <p:blipFill>
+          <a:blip r:embed="rId6"/>
+          <a:stretch>
+            <a:fillRect/>
+          </a:stretch>
+        </p:blipFill>
+        <p:spPr>
+          <a:xfrm>
+            <a:off x="8801387" y="3147638"/>
+            <a:ext cx="2523744" cy="2517434"/>
+          </a:xfrm>
+          <a:prstGeom prst="rect">
+            <a:avLst/>
+          </a:prstGeom>
+        </p:spPr>
+      </p:pic>
+      <p:sp>
+        <p:nvSpPr>
+          <p:cNvPr id="28" name="Rectangle 27">
+            <a:extLst>
+              <a:ext uri="{FF2B5EF4-FFF2-40B4-BE49-F238E27FC236}">
+                <a16:creationId xmlns:a16="http://schemas.microsoft.com/office/drawing/2014/main" id="{E61CE9D6-3D74-4540-A98B-232824586A3A}"/>
+              </a:ext>
+              <a:ext uri="{C183D7F6-B498-43B3-948B-1728B52AA6E4}">
+                <adec:decorative xmlns:adec="http://schemas.microsoft.com/office/drawing/2017/decorative" val="1"/>
+              </a:ext>
+            </a:extLst>
+          </p:cNvPr>
+          <p:cNvSpPr>
+            <a:spLocks noGrp="1" noRot="1" noChangeAspect="1" noMove="1" noResize="1" noEditPoints="1" noAdjustHandles="1" noChangeArrowheads="1" noChangeShapeType="1" noTextEdit="1"/>
+          </p:cNvSpPr>
+          <p:nvPr>
+            <p:extLst>
+              <p:ext uri="{386F3935-93C4-4BCD-93E2-E3B085C9AB24}">
+                <p16:designElem xmlns:p16="http://schemas.microsoft.com/office/powerpoint/2015/main" val="1"/>
+              </p:ext>
+            </p:extLst>
+          </p:nvPr>
+        </p:nvSpPr>
+        <p:spPr>
+          <a:xfrm>
+            <a:off x="11815864" y="758952"/>
+            <a:ext cx="384048" cy="5330952"/>
+          </a:xfrm>
+          <a:prstGeom prst="rect">
+            <a:avLst/>
+          </a:prstGeom>
+          <a:solidFill>
+            <a:srgbClr val="C8C8C8">
+              <a:alpha val="49804"/>
+            </a:srgbClr>
+          </a:solidFill>
+          <a:ln>
+            <a:noFill/>
+          </a:ln>
+        </p:spPr>
+        <p:style>
+          <a:lnRef idx="2">
+            <a:schemeClr val="accent1">
+              <a:shade val="50000"/>
+            </a:schemeClr>
+          </a:lnRef>
+          <a:fillRef idx="1">
+            <a:schemeClr val="accent1"/>
+          </a:fillRef>
+          <a:effectRef idx="0">
+            <a:schemeClr val="accent1"/>
+          </a:effectRef>
+          <a:fontRef idx="minor">
+            <a:schemeClr val="lt1"/>
+          </a:fontRef>
+        </p:style>
       </p:sp>
     </p:spTree>
     <p:extLst>
@@ -6790,7 +7448,7 @@
         </p:blipFill>
         <p:spPr>
           <a:xfrm>
-            <a:off x="8433213" y="3537443"/>
+            <a:off x="8332730" y="3409791"/>
             <a:ext cx="2925318" cy="2552806"/>
           </a:xfrm>
           <a:prstGeom prst="rect">
@@ -6855,6 +7513,73 @@
           </a:fontRef>
         </p:style>
       </p:sp>
+      <p:sp>
+        <p:nvSpPr>
+          <p:cNvPr id="5" name="Rectangle 4">
+            <a:extLst>
+              <a:ext uri="{FF2B5EF4-FFF2-40B4-BE49-F238E27FC236}">
+                <a16:creationId xmlns:a16="http://schemas.microsoft.com/office/drawing/2014/main" id="{079C6D2E-75D4-4251-BBFC-CF3AE7FBA122}"/>
+              </a:ext>
+            </a:extLst>
+          </p:cNvPr>
+          <p:cNvSpPr/>
+          <p:nvPr/>
+        </p:nvSpPr>
+        <p:spPr>
+          <a:xfrm>
+            <a:off x="-7913" y="6313146"/>
+            <a:ext cx="4977581" cy="369332"/>
+          </a:xfrm>
+          <a:prstGeom prst="rect">
+            <a:avLst/>
+          </a:prstGeom>
+        </p:spPr>
+        <p:txBody>
+          <a:bodyPr wrap="none">
+            <a:spAutoFit/>
+          </a:bodyPr>
+          <a:lstStyle/>
+          <a:p>
+            <a:r>
+              <a:rPr lang="en-NZ" dirty="0">
+                <a:hlinkClick r:id="rId4"/>
+              </a:rPr>
+              <a:t>https://webdesign-practice-assesment.netlify.app/</a:t>
+            </a:r>
+            <a:endParaRPr lang="en-NZ" dirty="0"/>
+          </a:p>
+        </p:txBody>
+      </p:sp>
+      <p:pic>
+        <p:nvPicPr>
+          <p:cNvPr id="6" name="Picture 5">
+            <a:extLst>
+              <a:ext uri="{FF2B5EF4-FFF2-40B4-BE49-F238E27FC236}">
+                <a16:creationId xmlns:a16="http://schemas.microsoft.com/office/drawing/2014/main" id="{4A49742D-E993-4619-A25A-7C256F35D369}"/>
+              </a:ext>
+            </a:extLst>
+          </p:cNvPr>
+          <p:cNvPicPr>
+            <a:picLocks noChangeAspect="1"/>
+          </p:cNvPicPr>
+          <p:nvPr/>
+        </p:nvPicPr>
+        <p:blipFill>
+          <a:blip r:embed="rId5"/>
+          <a:stretch>
+            <a:fillRect/>
+          </a:stretch>
+        </p:blipFill>
+        <p:spPr>
+          <a:xfrm>
+            <a:off x="4962474" y="809954"/>
+            <a:ext cx="5315692" cy="2238687"/>
+          </a:xfrm>
+          <a:prstGeom prst="rect">
+            <a:avLst/>
+          </a:prstGeom>
+        </p:spPr>
+      </p:pic>
     </p:spTree>
     <p:extLst>
       <p:ext uri="{BB962C8B-B14F-4D97-AF65-F5344CB8AC3E}">

--- a/Matthew MacDonald - 2.4 Practice Task Portfolio.pptx
+++ b/Matthew MacDonald - 2.4 Practice Task Portfolio.pptx
@@ -220,7 +220,7 @@
           <a:p>
             <a:fld id="{64C79704-BB08-4EAE-94F0-F2BDD7FD57CF}" type="datetimeFigureOut">
               <a:rPr lang="en-NZ" smtClean="0"/>
-              <a:t>5/05/2020</a:t>
+              <a:t>6/05/2020</a:t>
             </a:fld>
             <a:endParaRPr lang="en-NZ"/>
           </a:p>
@@ -2047,7 +2047,7 @@
           <a:p>
             <a:fld id="{9FB06DCC-D8C5-4C31-9799-F290D7CE4553}" type="datetimeFigureOut">
               <a:rPr lang="en-NZ" smtClean="0"/>
-              <a:t>5/05/2020</a:t>
+              <a:t>6/05/2020</a:t>
             </a:fld>
             <a:endParaRPr lang="en-NZ"/>
           </a:p>
@@ -2217,7 +2217,7 @@
           <a:p>
             <a:fld id="{9FB06DCC-D8C5-4C31-9799-F290D7CE4553}" type="datetimeFigureOut">
               <a:rPr lang="en-NZ" smtClean="0"/>
-              <a:t>5/05/2020</a:t>
+              <a:t>6/05/2020</a:t>
             </a:fld>
             <a:endParaRPr lang="en-NZ"/>
           </a:p>
@@ -2397,7 +2397,7 @@
           <a:p>
             <a:fld id="{9FB06DCC-D8C5-4C31-9799-F290D7CE4553}" type="datetimeFigureOut">
               <a:rPr lang="en-NZ" smtClean="0"/>
-              <a:t>5/05/2020</a:t>
+              <a:t>6/05/2020</a:t>
             </a:fld>
             <a:endParaRPr lang="en-NZ"/>
           </a:p>
@@ -2567,7 +2567,7 @@
           <a:p>
             <a:fld id="{9FB06DCC-D8C5-4C31-9799-F290D7CE4553}" type="datetimeFigureOut">
               <a:rPr lang="en-NZ" smtClean="0"/>
-              <a:t>5/05/2020</a:t>
+              <a:t>6/05/2020</a:t>
             </a:fld>
             <a:endParaRPr lang="en-NZ"/>
           </a:p>
@@ -2825,7 +2825,7 @@
           <a:p>
             <a:fld id="{9FB06DCC-D8C5-4C31-9799-F290D7CE4553}" type="datetimeFigureOut">
               <a:rPr lang="en-NZ" smtClean="0"/>
-              <a:t>5/05/2020</a:t>
+              <a:t>6/05/2020</a:t>
             </a:fld>
             <a:endParaRPr lang="en-NZ"/>
           </a:p>
@@ -3113,7 +3113,7 @@
           <a:p>
             <a:fld id="{9FB06DCC-D8C5-4C31-9799-F290D7CE4553}" type="datetimeFigureOut">
               <a:rPr lang="en-NZ" smtClean="0"/>
-              <a:t>5/05/2020</a:t>
+              <a:t>6/05/2020</a:t>
             </a:fld>
             <a:endParaRPr lang="en-NZ"/>
           </a:p>
@@ -3555,7 +3555,7 @@
           <a:p>
             <a:fld id="{9FB06DCC-D8C5-4C31-9799-F290D7CE4553}" type="datetimeFigureOut">
               <a:rPr lang="en-NZ" smtClean="0"/>
-              <a:t>5/05/2020</a:t>
+              <a:t>6/05/2020</a:t>
             </a:fld>
             <a:endParaRPr lang="en-NZ"/>
           </a:p>
@@ -3673,7 +3673,7 @@
           <a:p>
             <a:fld id="{9FB06DCC-D8C5-4C31-9799-F290D7CE4553}" type="datetimeFigureOut">
               <a:rPr lang="en-NZ" smtClean="0"/>
-              <a:t>5/05/2020</a:t>
+              <a:t>6/05/2020</a:t>
             </a:fld>
             <a:endParaRPr lang="en-NZ"/>
           </a:p>
@@ -3768,7 +3768,7 @@
           <a:p>
             <a:fld id="{9FB06DCC-D8C5-4C31-9799-F290D7CE4553}" type="datetimeFigureOut">
               <a:rPr lang="en-NZ" smtClean="0"/>
-              <a:t>5/05/2020</a:t>
+              <a:t>6/05/2020</a:t>
             </a:fld>
             <a:endParaRPr lang="en-NZ"/>
           </a:p>
@@ -4056,7 +4056,7 @@
           <a:p>
             <a:fld id="{9FB06DCC-D8C5-4C31-9799-F290D7CE4553}" type="datetimeFigureOut">
               <a:rPr lang="en-NZ" smtClean="0"/>
-              <a:t>5/05/2020</a:t>
+              <a:t>6/05/2020</a:t>
             </a:fld>
             <a:endParaRPr lang="en-NZ"/>
           </a:p>
@@ -4329,7 +4329,7 @@
           <a:p>
             <a:fld id="{9FB06DCC-D8C5-4C31-9799-F290D7CE4553}" type="datetimeFigureOut">
               <a:rPr lang="en-NZ" smtClean="0"/>
-              <a:t>5/05/2020</a:t>
+              <a:t>6/05/2020</a:t>
             </a:fld>
             <a:endParaRPr lang="en-NZ"/>
           </a:p>
@@ -4626,7 +4626,7 @@
           <a:p>
             <a:fld id="{9FB06DCC-D8C5-4C31-9799-F290D7CE4553}" type="datetimeFigureOut">
               <a:rPr lang="en-NZ" smtClean="0"/>
-              <a:t>5/05/2020</a:t>
+              <a:t>6/05/2020</a:t>
             </a:fld>
             <a:endParaRPr lang="en-NZ"/>
           </a:p>
@@ -5449,12 +5449,12 @@
           <a:p>
             <a:pPr algn="r"/>
             <a:r>
-              <a:rPr lang="en-NZ" sz="1800">
+              <a:rPr lang="en-NZ" sz="1800" dirty="0">
                 <a:solidFill>
                   <a:srgbClr val="FFFFFF"/>
                 </a:solidFill>
               </a:rPr>
-              <a:t>(Your name)</a:t>
+              <a:t>Matthew MacDonald</a:t>
             </a:r>
           </a:p>
         </p:txBody>
